--- a/ppt/shakyou-03-01_sound.pptx
+++ b/ppt/shakyou-03-01_sound.pptx
@@ -204,7 +204,7 @@
             <a:fld id="{AA7E3CD2-F544-424C-83B7-5469CABB5EAB}" type="datetimeFigureOut">
               <a:rPr kumimoji="1" lang="ja-JP" altLang="en-US" smtClean="0"/>
               <a:pPr/>
-              <a:t>2014/8/20</a:t>
+              <a:t>2014/8/21</a:t>
             </a:fld>
             <a:endParaRPr kumimoji="1" lang="ja-JP" altLang="en-US"/>
           </a:p>
@@ -1048,7 +1048,7 @@
             <a:fld id="{7BE36F36-C336-4843-B5E5-61E3CB8BB96E}" type="datetime1">
               <a:rPr kumimoji="1" lang="ja-JP" altLang="en-US" smtClean="0"/>
               <a:pPr/>
-              <a:t>2014/8/20</a:t>
+              <a:t>2014/8/21</a:t>
             </a:fld>
             <a:endParaRPr kumimoji="1" lang="ja-JP" altLang="en-US"/>
           </a:p>
@@ -1256,7 +1256,7 @@
             <a:fld id="{65DC8D98-48E1-4E1D-80C7-69971399A4F5}" type="datetime1">
               <a:rPr kumimoji="1" lang="ja-JP" altLang="en-US" smtClean="0"/>
               <a:pPr/>
-              <a:t>2014/8/20</a:t>
+              <a:t>2014/8/21</a:t>
             </a:fld>
             <a:endParaRPr kumimoji="1" lang="ja-JP" altLang="en-US"/>
           </a:p>
@@ -1470,7 +1470,7 @@
             <a:fld id="{4907E772-4A16-4077-8822-7F8D7D6CC32B}" type="datetime1">
               <a:rPr kumimoji="1" lang="ja-JP" altLang="en-US" smtClean="0"/>
               <a:pPr/>
-              <a:t>2014/8/20</a:t>
+              <a:t>2014/8/21</a:t>
             </a:fld>
             <a:endParaRPr kumimoji="1" lang="ja-JP" altLang="en-US"/>
           </a:p>
@@ -1674,7 +1674,7 @@
             <a:fld id="{D4698AB1-08EF-48D3-9FDD-37BE6343CAF2}" type="datetime1">
               <a:rPr kumimoji="1" lang="ja-JP" altLang="en-US" smtClean="0"/>
               <a:pPr/>
-              <a:t>2014/8/20</a:t>
+              <a:t>2014/8/21</a:t>
             </a:fld>
             <a:endParaRPr kumimoji="1" lang="ja-JP" altLang="en-US"/>
           </a:p>
@@ -2090,7 +2090,7 @@
             <a:fld id="{EC9C08AB-F6CC-43F1-AD42-7622A9C10AA6}" type="datetime1">
               <a:rPr kumimoji="1" lang="ja-JP" altLang="en-US" smtClean="0"/>
               <a:pPr/>
-              <a:t>2014/8/20</a:t>
+              <a:t>2014/8/21</a:t>
             </a:fld>
             <a:endParaRPr kumimoji="1" lang="ja-JP" altLang="en-US"/>
           </a:p>
@@ -2444,7 +2444,7 @@
             <a:fld id="{BABF097B-29FE-41E4-8222-EA4CF3AA8E80}" type="datetime1">
               <a:rPr kumimoji="1" lang="ja-JP" altLang="en-US" smtClean="0"/>
               <a:pPr/>
-              <a:t>2014/8/20</a:t>
+              <a:t>2014/8/21</a:t>
             </a:fld>
             <a:endParaRPr kumimoji="1" lang="ja-JP" altLang="en-US"/>
           </a:p>
@@ -2932,7 +2932,7 @@
             <a:fld id="{506E54C2-3D9B-4C8A-977F-D69F548B939E}" type="datetime1">
               <a:rPr kumimoji="1" lang="ja-JP" altLang="en-US" smtClean="0"/>
               <a:pPr/>
-              <a:t>2014/8/20</a:t>
+              <a:t>2014/8/21</a:t>
             </a:fld>
             <a:endParaRPr kumimoji="1" lang="ja-JP" altLang="en-US"/>
           </a:p>
@@ -3052,7 +3052,7 @@
             <a:fld id="{4DCD06F0-9D97-4ACB-99DB-B75D3980CB1B}" type="datetime1">
               <a:rPr kumimoji="1" lang="ja-JP" altLang="en-US" smtClean="0"/>
               <a:pPr/>
-              <a:t>2014/8/20</a:t>
+              <a:t>2014/8/21</a:t>
             </a:fld>
             <a:endParaRPr kumimoji="1" lang="ja-JP" altLang="en-US"/>
           </a:p>
@@ -3149,7 +3149,7 @@
             <a:fld id="{4ADF33DA-4EC5-4200-99B6-78D47F43E25D}" type="datetime1">
               <a:rPr kumimoji="1" lang="ja-JP" altLang="en-US" smtClean="0"/>
               <a:pPr/>
-              <a:t>2014/8/20</a:t>
+              <a:t>2014/8/21</a:t>
             </a:fld>
             <a:endParaRPr kumimoji="1" lang="ja-JP" altLang="en-US"/>
           </a:p>
@@ -3460,7 +3460,7 @@
             <a:fld id="{356D3538-9246-4E9A-9809-9FB3563566DA}" type="datetime1">
               <a:rPr kumimoji="1" lang="ja-JP" altLang="en-US" smtClean="0"/>
               <a:pPr/>
-              <a:t>2014/8/20</a:t>
+              <a:t>2014/8/21</a:t>
             </a:fld>
             <a:endParaRPr kumimoji="1" lang="ja-JP" altLang="en-US"/>
           </a:p>
@@ -3715,7 +3715,7 @@
             <a:fld id="{4C485872-50AC-46A0-A84A-FA3997D040AE}" type="datetime1">
               <a:rPr kumimoji="1" lang="ja-JP" altLang="en-US" smtClean="0"/>
               <a:pPr/>
-              <a:t>2014/8/20</a:t>
+              <a:t>2014/8/21</a:t>
             </a:fld>
             <a:endParaRPr kumimoji="1" lang="ja-JP" altLang="en-US"/>
           </a:p>
@@ -3962,7 +3962,7 @@
             <a:fld id="{01904AEC-30CC-4759-A3F9-CBAF364DED08}" type="datetime1">
               <a:rPr kumimoji="1" lang="ja-JP" altLang="en-US" smtClean="0"/>
               <a:pPr/>
-              <a:t>2014/8/20</a:t>
+              <a:t>2014/8/21</a:t>
             </a:fld>
             <a:endParaRPr kumimoji="1" lang="ja-JP" altLang="en-US"/>
           </a:p>
@@ -6369,8 +6369,13 @@
             </a:r>
             <a:r>
               <a:rPr lang="en-US" altLang="ja-JP" dirty="0"/>
-              <a:t> = 0;</a:t>
-            </a:r>
+              <a:t> = </a:t>
+            </a:r>
+            <a:r>
+              <a:rPr lang="en-US" altLang="ja-JP" dirty="0" smtClean="0"/>
+              <a:t>0.2;</a:t>
+            </a:r>
+            <a:endParaRPr lang="en-US" altLang="ja-JP" dirty="0"/>
           </a:p>
           <a:p>
             <a:pPr marL="0" indent="0">
